--- a/pbl-bugprod.pptx
+++ b/pbl-bugprod.pptx
@@ -136,6 +136,10 @@
 </p:presentation>
 </file>
 
+<file path=ppt/revisionInfo.xml><?xml version="1.0" encoding="utf-8"?>
+<p1510:revInfo xmlns:a="http://schemas.openxmlformats.org/drawingml/2006/main" xmlns:r="http://schemas.openxmlformats.org/officeDocument/2006/relationships" xmlns:p1510="http://schemas.microsoft.com/office/powerpoint/2015/10/main"/>
+</file>
+
 <file path=ppt/slideLayouts/slideLayout1.xml><?xml version="1.0" encoding="utf-8"?>
 <p:sldLayout xmlns:a="http://schemas.openxmlformats.org/drawingml/2006/main" xmlns:r="http://schemas.openxmlformats.org/officeDocument/2006/relationships" xmlns:p="http://schemas.openxmlformats.org/presentationml/2006/main" showMasterSp="0" type="title" preserve="1">
   <p:cSld name="Titelfolie">
@@ -362,7 +366,7 @@
           <a:p>
             <a:fld id="{4BDF68E2-58F2-4D09-BE8B-E3BD06533059}" type="datetimeFigureOut">
               <a:rPr lang="en-US" smtClean="0"/>
-              <a:t>5/12/2017</a:t>
+              <a:t>5/13/2017</a:t>
             </a:fld>
             <a:endParaRPr lang="en-US" dirty="0"/>
           </a:p>
@@ -582,7 +586,7 @@
           <a:p>
             <a:fld id="{4F969F54-177B-428D-9045-E256D8B350EC}" type="datetimeFigureOut">
               <a:rPr lang="de-DE" smtClean="0"/>
-              <a:t>12.05.2017</a:t>
+              <a:t>13.05.2017</a:t>
             </a:fld>
             <a:endParaRPr lang="de-DE"/>
           </a:p>
@@ -850,7 +854,7 @@
           <a:p>
             <a:fld id="{4F969F54-177B-428D-9045-E256D8B350EC}" type="datetimeFigureOut">
               <a:rPr lang="de-DE" smtClean="0"/>
-              <a:t>12.05.2017</a:t>
+              <a:t>13.05.2017</a:t>
             </a:fld>
             <a:endParaRPr lang="de-DE"/>
           </a:p>
@@ -1032,7 +1036,7 @@
           <a:p>
             <a:fld id="{4F969F54-177B-428D-9045-E256D8B350EC}" type="datetimeFigureOut">
               <a:rPr lang="de-DE" smtClean="0"/>
-              <a:t>12.05.2017</a:t>
+              <a:t>13.05.2017</a:t>
             </a:fld>
             <a:endParaRPr lang="de-DE"/>
           </a:p>
@@ -1387,7 +1391,7 @@
           <a:p>
             <a:fld id="{4F969F54-177B-428D-9045-E256D8B350EC}" type="datetimeFigureOut">
               <a:rPr lang="de-DE" smtClean="0"/>
-              <a:t>12.05.2017</a:t>
+              <a:t>13.05.2017</a:t>
             </a:fld>
             <a:endParaRPr lang="de-DE"/>
           </a:p>
@@ -1662,7 +1666,7 @@
           <a:p>
             <a:fld id="{4F969F54-177B-428D-9045-E256D8B350EC}" type="datetimeFigureOut">
               <a:rPr lang="de-DE" smtClean="0"/>
-              <a:t>12.05.2017</a:t>
+              <a:t>13.05.2017</a:t>
             </a:fld>
             <a:endParaRPr lang="de-DE"/>
           </a:p>
@@ -2053,7 +2057,7 @@
           <a:p>
             <a:fld id="{4F969F54-177B-428D-9045-E256D8B350EC}" type="datetimeFigureOut">
               <a:rPr lang="de-DE" smtClean="0"/>
-              <a:t>12.05.2017</a:t>
+              <a:t>13.05.2017</a:t>
             </a:fld>
             <a:endParaRPr lang="de-DE"/>
           </a:p>
@@ -2183,7 +2187,7 @@
           <a:p>
             <a:fld id="{4F969F54-177B-428D-9045-E256D8B350EC}" type="datetimeFigureOut">
               <a:rPr lang="de-DE" smtClean="0"/>
-              <a:t>12.05.2017</a:t>
+              <a:t>13.05.2017</a:t>
             </a:fld>
             <a:endParaRPr lang="de-DE"/>
           </a:p>
@@ -2366,7 +2370,7 @@
           <a:p>
             <a:fld id="{4F969F54-177B-428D-9045-E256D8B350EC}" type="datetimeFigureOut">
               <a:rPr lang="de-DE" smtClean="0"/>
-              <a:t>12.05.2017</a:t>
+              <a:t>13.05.2017</a:t>
             </a:fld>
             <a:endParaRPr lang="de-DE"/>
           </a:p>
@@ -2732,7 +2736,7 @@
           <a:p>
             <a:fld id="{4F969F54-177B-428D-9045-E256D8B350EC}" type="datetimeFigureOut">
               <a:rPr lang="de-DE" smtClean="0"/>
-              <a:t>12.05.2017</a:t>
+              <a:t>13.05.2017</a:t>
             </a:fld>
             <a:endParaRPr lang="de-DE"/>
           </a:p>
@@ -3121,7 +3125,7 @@
           <a:p>
             <a:fld id="{C9CAD897-D46E-4AD2-BD9B-49DD3E640873}" type="datetimeFigureOut">
               <a:rPr lang="en-US" smtClean="0"/>
-              <a:t>5/12/2017</a:t>
+              <a:t>5/13/2017</a:t>
             </a:fld>
             <a:endParaRPr lang="en-US" dirty="0"/>
           </a:p>
@@ -3420,7 +3424,7 @@
           <a:p>
             <a:fld id="{4F969F54-177B-428D-9045-E256D8B350EC}" type="datetimeFigureOut">
               <a:rPr lang="de-DE" smtClean="0"/>
-              <a:t>12.05.2017</a:t>
+              <a:t>13.05.2017</a:t>
             </a:fld>
             <a:endParaRPr lang="de-DE"/>
           </a:p>
@@ -4187,6 +4191,134 @@
       </p:transition>
     </mc:Fallback>
   </mc:AlternateContent>
+  <p:timing>
+    <p:tnLst>
+      <p:par>
+        <p:cTn id="1" dur="indefinite" restart="never" nodeType="tmRoot">
+          <p:childTnLst>
+            <p:seq concurrent="1" nextAc="seek">
+              <p:cTn id="2" dur="indefinite" nodeType="mainSeq">
+                <p:childTnLst>
+                  <p:par>
+                    <p:cTn id="3" fill="hold">
+                      <p:stCondLst>
+                        <p:cond delay="indefinite"/>
+                      </p:stCondLst>
+                      <p:childTnLst>
+                        <p:par>
+                          <p:cTn id="4" fill="hold">
+                            <p:stCondLst>
+                              <p:cond delay="0"/>
+                            </p:stCondLst>
+                            <p:childTnLst>
+                              <p:par>
+                                <p:cTn id="5" presetID="1" presetClass="entr" presetSubtype="0" fill="hold" nodeType="clickEffect">
+                                  <p:stCondLst>
+                                    <p:cond delay="0"/>
+                                  </p:stCondLst>
+                                  <p:childTnLst>
+                                    <p:set>
+                                      <p:cBhvr>
+                                        <p:cTn id="6" dur="1" fill="hold">
+                                          <p:stCondLst>
+                                            <p:cond delay="0"/>
+                                          </p:stCondLst>
+                                        </p:cTn>
+                                        <p:tgtEl>
+                                          <p:spTgt spid="9">
+                                            <p:txEl>
+                                              <p:pRg st="1" end="1"/>
+                                            </p:txEl>
+                                          </p:spTgt>
+                                        </p:tgtEl>
+                                        <p:attrNameLst>
+                                          <p:attrName>style.visibility</p:attrName>
+                                        </p:attrNameLst>
+                                      </p:cBhvr>
+                                      <p:to>
+                                        <p:strVal val="visible"/>
+                                      </p:to>
+                                    </p:set>
+                                  </p:childTnLst>
+                                </p:cTn>
+                              </p:par>
+                            </p:childTnLst>
+                          </p:cTn>
+                        </p:par>
+                      </p:childTnLst>
+                    </p:cTn>
+                  </p:par>
+                  <p:par>
+                    <p:cTn id="7" fill="hold">
+                      <p:stCondLst>
+                        <p:cond delay="indefinite"/>
+                      </p:stCondLst>
+                      <p:childTnLst>
+                        <p:par>
+                          <p:cTn id="8" fill="hold">
+                            <p:stCondLst>
+                              <p:cond delay="0"/>
+                            </p:stCondLst>
+                            <p:childTnLst>
+                              <p:par>
+                                <p:cTn id="9" presetID="1" presetClass="entr" presetSubtype="0" fill="hold" nodeType="clickEffect">
+                                  <p:stCondLst>
+                                    <p:cond delay="0"/>
+                                  </p:stCondLst>
+                                  <p:childTnLst>
+                                    <p:set>
+                                      <p:cBhvr>
+                                        <p:cTn id="10" dur="1" fill="hold">
+                                          <p:stCondLst>
+                                            <p:cond delay="0"/>
+                                          </p:stCondLst>
+                                        </p:cTn>
+                                        <p:tgtEl>
+                                          <p:spTgt spid="9">
+                                            <p:txEl>
+                                              <p:pRg st="3" end="3"/>
+                                            </p:txEl>
+                                          </p:spTgt>
+                                        </p:tgtEl>
+                                        <p:attrNameLst>
+                                          <p:attrName>style.visibility</p:attrName>
+                                        </p:attrNameLst>
+                                      </p:cBhvr>
+                                      <p:to>
+                                        <p:strVal val="visible"/>
+                                      </p:to>
+                                    </p:set>
+                                  </p:childTnLst>
+                                </p:cTn>
+                              </p:par>
+                            </p:childTnLst>
+                          </p:cTn>
+                        </p:par>
+                      </p:childTnLst>
+                    </p:cTn>
+                  </p:par>
+                </p:childTnLst>
+              </p:cTn>
+              <p:prevCondLst>
+                <p:cond evt="onPrev" delay="0">
+                  <p:tgtEl>
+                    <p:sldTgt/>
+                  </p:tgtEl>
+                </p:cond>
+              </p:prevCondLst>
+              <p:nextCondLst>
+                <p:cond evt="onNext" delay="0">
+                  <p:tgtEl>
+                    <p:sldTgt/>
+                  </p:tgtEl>
+                </p:cond>
+              </p:nextCondLst>
+            </p:seq>
+          </p:childTnLst>
+        </p:cTn>
+      </p:par>
+    </p:tnLst>
+  </p:timing>
 </p:sld>
 </file>
 
@@ -4250,7 +4382,7 @@
             </a:pPr>
             <a:r>
               <a:rPr lang="de-DE" dirty="0"/>
-              <a:t>Client erhält keine benutzerspezifischen Daten sondern nur einen Access Token</a:t>
+              <a:t> Client erhält keine benutzerspezifischen Daten</a:t>
             </a:r>
           </a:p>
           <a:p>
@@ -4260,7 +4392,7 @@
             </a:pPr>
             <a:r>
               <a:rPr lang="de-DE" dirty="0"/>
-              <a:t>…</a:t>
+              <a:t>Strikte Trennung zwischen Intern und Extern Tokens</a:t>
             </a:r>
           </a:p>
           <a:p>
@@ -4270,7 +4402,7 @@
             </a:pPr>
             <a:r>
               <a:rPr lang="de-DE" dirty="0"/>
-              <a:t>…</a:t>
+              <a:t>Relativ einfache Umsetzung</a:t>
             </a:r>
           </a:p>
           <a:p>
@@ -4278,10 +4410,13 @@
               <a:buFont typeface="Wingdings" panose="05000000000000000000" pitchFamily="2" charset="2"/>
               <a:buChar char="§"/>
             </a:pPr>
-            <a:r>
-              <a:rPr lang="de-DE" dirty="0"/>
-              <a:t>…</a:t>
-            </a:r>
+            <a:endParaRPr lang="de-DE" dirty="0"/>
+          </a:p>
+          <a:p>
+            <a:pPr marL="0" indent="0">
+              <a:buNone/>
+            </a:pPr>
+            <a:endParaRPr lang="de-DE" dirty="0"/>
           </a:p>
           <a:p>
             <a:pPr>
@@ -4314,6 +4449,232 @@
       </p:transition>
     </mc:Fallback>
   </mc:AlternateContent>
+  <p:timing>
+    <p:tnLst>
+      <p:par>
+        <p:cTn id="1" dur="indefinite" restart="never" nodeType="tmRoot">
+          <p:childTnLst>
+            <p:seq concurrent="1" nextAc="seek">
+              <p:cTn id="2" dur="indefinite" nodeType="mainSeq">
+                <p:childTnLst>
+                  <p:par>
+                    <p:cTn id="3" fill="hold">
+                      <p:stCondLst>
+                        <p:cond delay="indefinite"/>
+                      </p:stCondLst>
+                      <p:childTnLst>
+                        <p:par>
+                          <p:cTn id="4" fill="hold">
+                            <p:stCondLst>
+                              <p:cond delay="0"/>
+                            </p:stCondLst>
+                            <p:childTnLst>
+                              <p:par>
+                                <p:cTn id="5" presetID="1" presetClass="entr" presetSubtype="0" fill="hold" nodeType="clickEffect">
+                                  <p:stCondLst>
+                                    <p:cond delay="0"/>
+                                  </p:stCondLst>
+                                  <p:childTnLst>
+                                    <p:set>
+                                      <p:cBhvr>
+                                        <p:cTn id="6" dur="1" fill="hold">
+                                          <p:stCondLst>
+                                            <p:cond delay="0"/>
+                                          </p:stCondLst>
+                                        </p:cTn>
+                                        <p:tgtEl>
+                                          <p:spTgt spid="3">
+                                            <p:txEl>
+                                              <p:pRg st="0" end="0"/>
+                                            </p:txEl>
+                                          </p:spTgt>
+                                        </p:tgtEl>
+                                        <p:attrNameLst>
+                                          <p:attrName>style.visibility</p:attrName>
+                                        </p:attrNameLst>
+                                      </p:cBhvr>
+                                      <p:to>
+                                        <p:strVal val="visible"/>
+                                      </p:to>
+                                    </p:set>
+                                  </p:childTnLst>
+                                </p:cTn>
+                              </p:par>
+                            </p:childTnLst>
+                          </p:cTn>
+                        </p:par>
+                      </p:childTnLst>
+                    </p:cTn>
+                  </p:par>
+                  <p:par>
+                    <p:cTn id="7" fill="hold">
+                      <p:stCondLst>
+                        <p:cond delay="indefinite"/>
+                      </p:stCondLst>
+                      <p:childTnLst>
+                        <p:par>
+                          <p:cTn id="8" fill="hold">
+                            <p:stCondLst>
+                              <p:cond delay="0"/>
+                            </p:stCondLst>
+                            <p:childTnLst>
+                              <p:par>
+                                <p:cTn id="9" presetID="1" presetClass="entr" presetSubtype="0" fill="hold" nodeType="clickEffect">
+                                  <p:stCondLst>
+                                    <p:cond delay="0"/>
+                                  </p:stCondLst>
+                                  <p:childTnLst>
+                                    <p:set>
+                                      <p:cBhvr>
+                                        <p:cTn id="10" dur="1" fill="hold">
+                                          <p:stCondLst>
+                                            <p:cond delay="0"/>
+                                          </p:stCondLst>
+                                        </p:cTn>
+                                        <p:tgtEl>
+                                          <p:spTgt spid="3">
+                                            <p:txEl>
+                                              <p:pRg st="1" end="1"/>
+                                            </p:txEl>
+                                          </p:spTgt>
+                                        </p:tgtEl>
+                                        <p:attrNameLst>
+                                          <p:attrName>style.visibility</p:attrName>
+                                        </p:attrNameLst>
+                                      </p:cBhvr>
+                                      <p:to>
+                                        <p:strVal val="visible"/>
+                                      </p:to>
+                                    </p:set>
+                                  </p:childTnLst>
+                                </p:cTn>
+                              </p:par>
+                            </p:childTnLst>
+                          </p:cTn>
+                        </p:par>
+                      </p:childTnLst>
+                    </p:cTn>
+                  </p:par>
+                  <p:par>
+                    <p:cTn id="11" fill="hold">
+                      <p:stCondLst>
+                        <p:cond delay="indefinite"/>
+                      </p:stCondLst>
+                      <p:childTnLst>
+                        <p:par>
+                          <p:cTn id="12" fill="hold">
+                            <p:stCondLst>
+                              <p:cond delay="0"/>
+                            </p:stCondLst>
+                            <p:childTnLst>
+                              <p:par>
+                                <p:cTn id="13" presetID="1" presetClass="entr" presetSubtype="0" fill="hold" nodeType="clickEffect">
+                                  <p:stCondLst>
+                                    <p:cond delay="0"/>
+                                  </p:stCondLst>
+                                  <p:childTnLst>
+                                    <p:set>
+                                      <p:cBhvr>
+                                        <p:cTn id="14" dur="1" fill="hold">
+                                          <p:stCondLst>
+                                            <p:cond delay="0"/>
+                                          </p:stCondLst>
+                                        </p:cTn>
+                                        <p:tgtEl>
+                                          <p:spTgt spid="3">
+                                            <p:txEl>
+                                              <p:pRg st="2" end="2"/>
+                                            </p:txEl>
+                                          </p:spTgt>
+                                        </p:tgtEl>
+                                        <p:attrNameLst>
+                                          <p:attrName>style.visibility</p:attrName>
+                                        </p:attrNameLst>
+                                      </p:cBhvr>
+                                      <p:to>
+                                        <p:strVal val="visible"/>
+                                      </p:to>
+                                    </p:set>
+                                  </p:childTnLst>
+                                </p:cTn>
+                              </p:par>
+                            </p:childTnLst>
+                          </p:cTn>
+                        </p:par>
+                      </p:childTnLst>
+                    </p:cTn>
+                  </p:par>
+                  <p:par>
+                    <p:cTn id="15" fill="hold">
+                      <p:stCondLst>
+                        <p:cond delay="indefinite"/>
+                      </p:stCondLst>
+                      <p:childTnLst>
+                        <p:par>
+                          <p:cTn id="16" fill="hold">
+                            <p:stCondLst>
+                              <p:cond delay="0"/>
+                            </p:stCondLst>
+                            <p:childTnLst>
+                              <p:par>
+                                <p:cTn id="17" presetID="1" presetClass="entr" presetSubtype="0" fill="hold" nodeType="clickEffect">
+                                  <p:stCondLst>
+                                    <p:cond delay="0"/>
+                                  </p:stCondLst>
+                                  <p:childTnLst>
+                                    <p:set>
+                                      <p:cBhvr>
+                                        <p:cTn id="18" dur="1" fill="hold">
+                                          <p:stCondLst>
+                                            <p:cond delay="0"/>
+                                          </p:stCondLst>
+                                        </p:cTn>
+                                        <p:tgtEl>
+                                          <p:spTgt spid="3">
+                                            <p:txEl>
+                                              <p:pRg st="2" end="2"/>
+                                            </p:txEl>
+                                          </p:spTgt>
+                                        </p:tgtEl>
+                                        <p:attrNameLst>
+                                          <p:attrName>style.visibility</p:attrName>
+                                        </p:attrNameLst>
+                                      </p:cBhvr>
+                                      <p:to>
+                                        <p:strVal val="visible"/>
+                                      </p:to>
+                                    </p:set>
+                                  </p:childTnLst>
+                                </p:cTn>
+                              </p:par>
+                            </p:childTnLst>
+                          </p:cTn>
+                        </p:par>
+                      </p:childTnLst>
+                    </p:cTn>
+                  </p:par>
+                </p:childTnLst>
+              </p:cTn>
+              <p:prevCondLst>
+                <p:cond evt="onPrev" delay="0">
+                  <p:tgtEl>
+                    <p:sldTgt/>
+                  </p:tgtEl>
+                </p:cond>
+              </p:prevCondLst>
+              <p:nextCondLst>
+                <p:cond evt="onNext" delay="0">
+                  <p:tgtEl>
+                    <p:sldTgt/>
+                  </p:tgtEl>
+                </p:cond>
+              </p:nextCondLst>
+            </p:seq>
+          </p:childTnLst>
+        </p:cTn>
+      </p:par>
+    </p:tnLst>
+  </p:timing>
 </p:sld>
 </file>
 
@@ -4929,6 +5290,145 @@
           </a:p>
         </p:txBody>
       </p:sp>
+      <p:cxnSp>
+        <p:nvCxnSpPr>
+          <p:cNvPr id="5" name="Gerader Verbinder 4"/>
+          <p:cNvCxnSpPr>
+            <a:cxnSpLocks/>
+          </p:cNvCxnSpPr>
+          <p:nvPr/>
+        </p:nvCxnSpPr>
+        <p:spPr>
+          <a:xfrm flipV="1">
+            <a:off x="1648558" y="445169"/>
+            <a:ext cx="8638442" cy="5653761"/>
+          </a:xfrm>
+          <a:prstGeom prst="line">
+            <a:avLst/>
+          </a:prstGeom>
+          <a:ln w="38100"/>
+        </p:spPr>
+        <p:style>
+          <a:lnRef idx="1">
+            <a:schemeClr val="accent1"/>
+          </a:lnRef>
+          <a:fillRef idx="0">
+            <a:schemeClr val="accent1"/>
+          </a:fillRef>
+          <a:effectRef idx="0">
+            <a:schemeClr val="accent1"/>
+          </a:effectRef>
+          <a:fontRef idx="minor">
+            <a:schemeClr val="tx1"/>
+          </a:fontRef>
+        </p:style>
+      </p:cxnSp>
+      <p:sp>
+        <p:nvSpPr>
+          <p:cNvPr id="13" name="Ellipse 12"/>
+          <p:cNvSpPr/>
+          <p:nvPr/>
+        </p:nvSpPr>
+        <p:spPr>
+          <a:xfrm>
+            <a:off x="8397715" y="4615960"/>
+            <a:ext cx="2166543" cy="1049215"/>
+          </a:xfrm>
+          <a:prstGeom prst="ellipse">
+            <a:avLst/>
+          </a:prstGeom>
+        </p:spPr>
+        <p:style>
+          <a:lnRef idx="2">
+            <a:schemeClr val="accent6"/>
+          </a:lnRef>
+          <a:fillRef idx="1">
+            <a:schemeClr val="lt1"/>
+          </a:fillRef>
+          <a:effectRef idx="0">
+            <a:schemeClr val="accent6"/>
+          </a:effectRef>
+          <a:fontRef idx="minor">
+            <a:schemeClr val="dk1"/>
+          </a:fontRef>
+        </p:style>
+        <p:txBody>
+          <a:bodyPr rtlCol="0" anchor="ctr"/>
+          <a:lstStyle/>
+          <a:p>
+            <a:pPr algn="ctr"/>
+            <a:r>
+              <a:rPr lang="de-DE" sz="4000" dirty="0">
+                <a:ln w="0"/>
+                <a:solidFill>
+                  <a:schemeClr val="accent1"/>
+                </a:solidFill>
+                <a:effectLst>
+                  <a:outerShdw blurRad="38100" dist="25400" dir="5400000" algn="ctr" rotWithShape="0">
+                    <a:srgbClr val="6E747A">
+                      <a:alpha val="43000"/>
+                    </a:srgbClr>
+                  </a:outerShdw>
+                </a:effectLst>
+              </a:rPr>
+              <a:t>Intern</a:t>
+            </a:r>
+          </a:p>
+        </p:txBody>
+      </p:sp>
+      <p:sp>
+        <p:nvSpPr>
+          <p:cNvPr id="25" name="Ellipse 24"/>
+          <p:cNvSpPr/>
+          <p:nvPr/>
+        </p:nvSpPr>
+        <p:spPr>
+          <a:xfrm>
+            <a:off x="1026211" y="578455"/>
+            <a:ext cx="2166543" cy="1049215"/>
+          </a:xfrm>
+          <a:prstGeom prst="ellipse">
+            <a:avLst/>
+          </a:prstGeom>
+        </p:spPr>
+        <p:style>
+          <a:lnRef idx="2">
+            <a:schemeClr val="accent6"/>
+          </a:lnRef>
+          <a:fillRef idx="1">
+            <a:schemeClr val="lt1"/>
+          </a:fillRef>
+          <a:effectRef idx="0">
+            <a:schemeClr val="accent6"/>
+          </a:effectRef>
+          <a:fontRef idx="minor">
+            <a:schemeClr val="dk1"/>
+          </a:fontRef>
+        </p:style>
+        <p:txBody>
+          <a:bodyPr rtlCol="0" anchor="ctr"/>
+          <a:lstStyle/>
+          <a:p>
+            <a:pPr algn="ctr"/>
+            <a:r>
+              <a:rPr lang="de-DE" sz="4000" dirty="0">
+                <a:ln w="0"/>
+                <a:solidFill>
+                  <a:schemeClr val="accent1"/>
+                </a:solidFill>
+                <a:effectLst>
+                  <a:outerShdw blurRad="38100" dist="25400" dir="5400000" algn="ctr" rotWithShape="0">
+                    <a:srgbClr val="6E747A">
+                      <a:alpha val="43000"/>
+                    </a:srgbClr>
+                  </a:outerShdw>
+                </a:effectLst>
+              </a:rPr>
+              <a:t>Extern</a:t>
+            </a:r>
+          </a:p>
+        </p:txBody>
+      </p:sp>
     </p:spTree>
     <p:extLst>
       <p:ext uri="{BB962C8B-B14F-4D97-AF65-F5344CB8AC3E}">
@@ -4951,6 +5451,139 @@
       </p:transition>
     </mc:Fallback>
   </mc:AlternateContent>
+  <p:timing>
+    <p:tnLst>
+      <p:par>
+        <p:cTn id="1" dur="indefinite" restart="never" nodeType="tmRoot">
+          <p:childTnLst>
+            <p:seq concurrent="1" nextAc="seek">
+              <p:cTn id="2" dur="indefinite" nodeType="mainSeq">
+                <p:childTnLst>
+                  <p:par>
+                    <p:cTn id="3" fill="hold">
+                      <p:stCondLst>
+                        <p:cond delay="indefinite"/>
+                      </p:stCondLst>
+                      <p:childTnLst>
+                        <p:par>
+                          <p:cTn id="4" fill="hold">
+                            <p:stCondLst>
+                              <p:cond delay="0"/>
+                            </p:stCondLst>
+                            <p:childTnLst>
+                              <p:par>
+                                <p:cTn id="5" presetID="1" presetClass="entr" presetSubtype="0" fill="hold" nodeType="clickEffect">
+                                  <p:stCondLst>
+                                    <p:cond delay="0"/>
+                                  </p:stCondLst>
+                                  <p:childTnLst>
+                                    <p:set>
+                                      <p:cBhvr>
+                                        <p:cTn id="6" dur="1" fill="hold">
+                                          <p:stCondLst>
+                                            <p:cond delay="0"/>
+                                          </p:stCondLst>
+                                        </p:cTn>
+                                        <p:tgtEl>
+                                          <p:spTgt spid="5"/>
+                                        </p:tgtEl>
+                                        <p:attrNameLst>
+                                          <p:attrName>style.visibility</p:attrName>
+                                        </p:attrNameLst>
+                                      </p:cBhvr>
+                                      <p:to>
+                                        <p:strVal val="visible"/>
+                                      </p:to>
+                                    </p:set>
+                                  </p:childTnLst>
+                                </p:cTn>
+                              </p:par>
+                              <p:par>
+                                <p:cTn id="7" presetID="1" presetClass="entr" presetSubtype="0" fill="hold" grpId="0" nodeType="withEffect">
+                                  <p:stCondLst>
+                                    <p:cond delay="0"/>
+                                  </p:stCondLst>
+                                  <p:childTnLst>
+                                    <p:set>
+                                      <p:cBhvr>
+                                        <p:cTn id="8" dur="1" fill="hold">
+                                          <p:stCondLst>
+                                            <p:cond delay="0"/>
+                                          </p:stCondLst>
+                                        </p:cTn>
+                                        <p:tgtEl>
+                                          <p:spTgt spid="25"/>
+                                        </p:tgtEl>
+                                        <p:attrNameLst>
+                                          <p:attrName>style.visibility</p:attrName>
+                                        </p:attrNameLst>
+                                      </p:cBhvr>
+                                      <p:to>
+                                        <p:strVal val="visible"/>
+                                      </p:to>
+                                    </p:set>
+                                  </p:childTnLst>
+                                </p:cTn>
+                              </p:par>
+                              <p:par>
+                                <p:cTn id="9" presetID="1" presetClass="entr" presetSubtype="0" fill="hold" grpId="0" nodeType="withEffect">
+                                  <p:stCondLst>
+                                    <p:cond delay="0"/>
+                                  </p:stCondLst>
+                                  <p:childTnLst>
+                                    <p:set>
+                                      <p:cBhvr>
+                                        <p:cTn id="10" dur="1" fill="hold">
+                                          <p:stCondLst>
+                                            <p:cond delay="0"/>
+                                          </p:stCondLst>
+                                        </p:cTn>
+                                        <p:tgtEl>
+                                          <p:spTgt spid="13"/>
+                                        </p:tgtEl>
+                                        <p:attrNameLst>
+                                          <p:attrName>style.visibility</p:attrName>
+                                        </p:attrNameLst>
+                                      </p:cBhvr>
+                                      <p:to>
+                                        <p:strVal val="visible"/>
+                                      </p:to>
+                                    </p:set>
+                                  </p:childTnLst>
+                                </p:cTn>
+                              </p:par>
+                            </p:childTnLst>
+                          </p:cTn>
+                        </p:par>
+                      </p:childTnLst>
+                    </p:cTn>
+                  </p:par>
+                </p:childTnLst>
+              </p:cTn>
+              <p:prevCondLst>
+                <p:cond evt="onPrev" delay="0">
+                  <p:tgtEl>
+                    <p:sldTgt/>
+                  </p:tgtEl>
+                </p:cond>
+              </p:prevCondLst>
+              <p:nextCondLst>
+                <p:cond evt="onNext" delay="0">
+                  <p:tgtEl>
+                    <p:sldTgt/>
+                  </p:tgtEl>
+                </p:cond>
+              </p:nextCondLst>
+            </p:seq>
+          </p:childTnLst>
+        </p:cTn>
+      </p:par>
+    </p:tnLst>
+    <p:bldLst>
+      <p:bldP spid="13" grpId="0" animBg="1"/>
+      <p:bldP spid="25" grpId="0" animBg="1"/>
+    </p:bldLst>
+  </p:timing>
 </p:sld>
 </file>
 

--- a/pbl-bugprod.pptx
+++ b/pbl-bugprod.pptx
@@ -9,6 +9,7 @@
     <p:sldId id="257" r:id="rId3"/>
     <p:sldId id="258" r:id="rId4"/>
     <p:sldId id="259" r:id="rId5"/>
+    <p:sldId id="260" r:id="rId6"/>
   </p:sldIdLst>
   <p:sldSz cx="12192000" cy="6858000"/>
   <p:notesSz cx="6858000" cy="9144000"/>
@@ -3977,22 +3978,21 @@
         </p:nvSpPr>
         <p:spPr/>
         <p:txBody>
-          <a:bodyPr/>
+          <a:bodyPr>
+            <a:normAutofit/>
+          </a:bodyPr>
           <a:lstStyle/>
           <a:p>
             <a:pPr algn="l"/>
             <a:r>
-              <a:rPr lang="de-DE" dirty="0"/>
-              <a:t>PBL – </a:t>
-            </a:r>
-            <a:r>
-              <a:rPr lang="de-DE" dirty="0" err="1"/>
-              <a:t>ShareIt</a:t>
-            </a:r>
-            <a:r>
-              <a:rPr lang="de-DE" dirty="0"/>
-              <a:t> Teil 2</a:t>
-            </a:r>
+              <a:rPr lang="de-DE" sz="5400" dirty="0"/>
+              <a:t>Authentifizierung bei </a:t>
+            </a:r>
+            <a:r>
+              <a:rPr lang="de-DE" sz="5400" dirty="0" err="1"/>
+              <a:t>Microservices</a:t>
+            </a:r>
+            <a:endParaRPr lang="de-DE" sz="5400" dirty="0"/>
           </a:p>
         </p:txBody>
       </p:sp>
@@ -4392,7 +4392,7 @@
             </a:pPr>
             <a:r>
               <a:rPr lang="de-DE" dirty="0"/>
-              <a:t>Strikte Trennung zwischen Intern und Extern Tokens</a:t>
+              <a:t> Strikte Trennung zwischen Intern und Extern Tokens</a:t>
             </a:r>
           </a:p>
           <a:p>
@@ -4402,8 +4402,25 @@
             </a:pPr>
             <a:r>
               <a:rPr lang="de-DE" dirty="0"/>
-              <a:t>Relativ einfache Umsetzung</a:t>
-            </a:r>
+              <a:t> Relativ einfache Umsetzung</a:t>
+            </a:r>
+          </a:p>
+          <a:p>
+            <a:pPr>
+              <a:buFont typeface="Wingdings" panose="05000000000000000000" pitchFamily="2" charset="2"/>
+              <a:buChar char="§"/>
+            </a:pPr>
+            <a:r>
+              <a:rPr lang="de-DE" dirty="0"/>
+              <a:t> Leicht zu verstehen Dank JSON Web Tokens</a:t>
+            </a:r>
+          </a:p>
+          <a:p>
+            <a:pPr>
+              <a:buFont typeface="Wingdings" panose="05000000000000000000" pitchFamily="2" charset="2"/>
+              <a:buChar char="§"/>
+            </a:pPr>
+            <a:endParaRPr lang="de-DE" dirty="0"/>
           </a:p>
           <a:p>
             <a:pPr>
@@ -4632,7 +4649,105 @@
                                         <p:tgtEl>
                                           <p:spTgt spid="3">
                                             <p:txEl>
+                                              <p:pRg st="3" end="3"/>
+                                            </p:txEl>
+                                          </p:spTgt>
+                                        </p:tgtEl>
+                                        <p:attrNameLst>
+                                          <p:attrName>style.visibility</p:attrName>
+                                        </p:attrNameLst>
+                                      </p:cBhvr>
+                                      <p:to>
+                                        <p:strVal val="visible"/>
+                                      </p:to>
+                                    </p:set>
+                                  </p:childTnLst>
+                                </p:cTn>
+                              </p:par>
+                            </p:childTnLst>
+                          </p:cTn>
+                        </p:par>
+                      </p:childTnLst>
+                    </p:cTn>
+                  </p:par>
+                  <p:par>
+                    <p:cTn id="19" fill="hold">
+                      <p:stCondLst>
+                        <p:cond delay="indefinite"/>
+                      </p:stCondLst>
+                      <p:childTnLst>
+                        <p:par>
+                          <p:cTn id="20" fill="hold">
+                            <p:stCondLst>
+                              <p:cond delay="0"/>
+                            </p:stCondLst>
+                            <p:childTnLst>
+                              <p:par>
+                                <p:cTn id="21" presetID="1" presetClass="entr" presetSubtype="0" fill="hold" nodeType="clickEffect">
+                                  <p:stCondLst>
+                                    <p:cond delay="0"/>
+                                  </p:stCondLst>
+                                  <p:childTnLst>
+                                    <p:set>
+                                      <p:cBhvr>
+                                        <p:cTn id="22" dur="1" fill="hold">
+                                          <p:stCondLst>
+                                            <p:cond delay="0"/>
+                                          </p:stCondLst>
+                                        </p:cTn>
+                                        <p:tgtEl>
+                                          <p:spTgt spid="3">
+                                            <p:txEl>
                                               <p:pRg st="2" end="2"/>
+                                            </p:txEl>
+                                          </p:spTgt>
+                                        </p:tgtEl>
+                                        <p:attrNameLst>
+                                          <p:attrName>style.visibility</p:attrName>
+                                        </p:attrNameLst>
+                                      </p:cBhvr>
+                                      <p:to>
+                                        <p:strVal val="visible"/>
+                                      </p:to>
+                                    </p:set>
+                                  </p:childTnLst>
+                                </p:cTn>
+                              </p:par>
+                            </p:childTnLst>
+                          </p:cTn>
+                        </p:par>
+                      </p:childTnLst>
+                    </p:cTn>
+                  </p:par>
+                  <p:par>
+                    <p:cTn id="23" fill="hold">
+                      <p:stCondLst>
+                        <p:cond delay="indefinite"/>
+                      </p:stCondLst>
+                      <p:childTnLst>
+                        <p:par>
+                          <p:cTn id="24" fill="hold">
+                            <p:stCondLst>
+                              <p:cond delay="0"/>
+                            </p:stCondLst>
+                            <p:childTnLst>
+                              <p:par>
+                                <p:cTn id="25" presetID="1" presetClass="entr" presetSubtype="0" fill="hold" nodeType="clickEffect">
+                                  <p:stCondLst>
+                                    <p:cond delay="0"/>
+                                  </p:stCondLst>
+                                  <p:childTnLst>
+                                    <p:set>
+                                      <p:cBhvr>
+                                        <p:cTn id="26" dur="1" fill="hold">
+                                          <p:stCondLst>
+                                            <p:cond delay="0"/>
+                                          </p:stCondLst>
+                                        </p:cTn>
+                                        <p:tgtEl>
+                                          <p:spTgt spid="3">
+                                            <p:txEl>
+                                              <p:pRg st="3" end="3"/>
                                             </p:txEl>
                                           </p:spTgt>
                                         </p:tgtEl>
@@ -5583,6 +5698,338 @@
       <p:bldP spid="13" grpId="0" animBg="1"/>
       <p:bldP spid="25" grpId="0" animBg="1"/>
     </p:bldLst>
+  </p:timing>
+</p:sld>
+</file>
+
+<file path=ppt/slides/slide5.xml><?xml version="1.0" encoding="utf-8"?>
+<p:sld xmlns:a="http://schemas.openxmlformats.org/drawingml/2006/main" xmlns:r="http://schemas.openxmlformats.org/officeDocument/2006/relationships" xmlns:p="http://schemas.openxmlformats.org/presentationml/2006/main">
+  <p:cSld>
+    <p:spTree>
+      <p:nvGrpSpPr>
+        <p:cNvPr id="1" name=""/>
+        <p:cNvGrpSpPr/>
+        <p:nvPr/>
+      </p:nvGrpSpPr>
+      <p:grpSpPr>
+        <a:xfrm>
+          <a:off x="0" y="0"/>
+          <a:ext cx="0" cy="0"/>
+          <a:chOff x="0" y="0"/>
+          <a:chExt cx="0" cy="0"/>
+        </a:xfrm>
+      </p:grpSpPr>
+      <p:sp>
+        <p:nvSpPr>
+          <p:cNvPr id="2" name="Titel 1"/>
+          <p:cNvSpPr>
+            <a:spLocks noGrp="1"/>
+          </p:cNvSpPr>
+          <p:nvPr>
+            <p:ph type="title"/>
+          </p:nvPr>
+        </p:nvSpPr>
+        <p:spPr/>
+        <p:txBody>
+          <a:bodyPr/>
+          <a:lstStyle/>
+          <a:p>
+            <a:r>
+              <a:rPr lang="de-DE" dirty="0"/>
+              <a:t>Praktikumsaufgabe – </a:t>
+            </a:r>
+            <a:r>
+              <a:rPr lang="de-DE" dirty="0" err="1"/>
+              <a:t>ShareIt</a:t>
+            </a:r>
+            <a:r>
+              <a:rPr lang="de-DE" dirty="0"/>
+              <a:t> Teil 2</a:t>
+            </a:r>
+          </a:p>
+        </p:txBody>
+      </p:sp>
+      <p:sp>
+        <p:nvSpPr>
+          <p:cNvPr id="3" name="Inhaltsplatzhalter 2"/>
+          <p:cNvSpPr>
+            <a:spLocks noGrp="1"/>
+          </p:cNvSpPr>
+          <p:nvPr>
+            <p:ph idx="1"/>
+          </p:nvPr>
+        </p:nvSpPr>
+        <p:spPr/>
+        <p:txBody>
+          <a:bodyPr/>
+          <a:lstStyle/>
+          <a:p>
+            <a:pPr>
+              <a:buFont typeface="Wingdings" panose="05000000000000000000" pitchFamily="2" charset="2"/>
+              <a:buChar char="§"/>
+            </a:pPr>
+            <a:endParaRPr lang="de-DE" dirty="0"/>
+          </a:p>
+          <a:p>
+            <a:pPr>
+              <a:buFont typeface="Wingdings" panose="05000000000000000000" pitchFamily="2" charset="2"/>
+              <a:buChar char="§"/>
+            </a:pPr>
+            <a:r>
+              <a:rPr lang="de-DE" sz="2400" dirty="0"/>
+              <a:t> Anpassen Ihres </a:t>
+            </a:r>
+            <a:r>
+              <a:rPr lang="de-DE" sz="2400" dirty="0" err="1"/>
+              <a:t>Microservices</a:t>
+            </a:r>
+            <a:r>
+              <a:rPr lang="de-DE" sz="2400" dirty="0"/>
+              <a:t> so dass es JSON Web Tokens akzeptiert</a:t>
+            </a:r>
+          </a:p>
+          <a:p>
+            <a:pPr>
+              <a:buFont typeface="Wingdings" panose="05000000000000000000" pitchFamily="2" charset="2"/>
+              <a:buChar char="§"/>
+            </a:pPr>
+            <a:endParaRPr lang="de-DE" sz="2400" dirty="0"/>
+          </a:p>
+          <a:p>
+            <a:pPr>
+              <a:buFont typeface="Wingdings" panose="05000000000000000000" pitchFamily="2" charset="2"/>
+              <a:buChar char="§"/>
+            </a:pPr>
+            <a:r>
+              <a:rPr lang="de-DE" sz="2400" dirty="0"/>
+              <a:t> Implementierung eines Token Translation Points</a:t>
+            </a:r>
+          </a:p>
+          <a:p>
+            <a:pPr>
+              <a:buFont typeface="Wingdings" panose="05000000000000000000" pitchFamily="2" charset="2"/>
+              <a:buChar char="§"/>
+            </a:pPr>
+            <a:endParaRPr lang="de-DE" sz="2400" dirty="0"/>
+          </a:p>
+          <a:p>
+            <a:pPr>
+              <a:buFont typeface="Wingdings" panose="05000000000000000000" pitchFamily="2" charset="2"/>
+              <a:buChar char="§"/>
+            </a:pPr>
+            <a:r>
+              <a:rPr lang="de-DE" sz="2400" dirty="0"/>
+              <a:t> Implementierung eines </a:t>
+            </a:r>
+            <a:r>
+              <a:rPr lang="de-DE" sz="2400" dirty="0" err="1"/>
+              <a:t>Authorization</a:t>
+            </a:r>
+            <a:r>
+              <a:rPr lang="de-DE" sz="2400" dirty="0"/>
+              <a:t> Server</a:t>
+            </a:r>
+          </a:p>
+        </p:txBody>
+      </p:sp>
+    </p:spTree>
+    <p:extLst>
+      <p:ext uri="{BB962C8B-B14F-4D97-AF65-F5344CB8AC3E}">
+        <p14:creationId xmlns:p14="http://schemas.microsoft.com/office/powerpoint/2010/main" val="177103457"/>
+      </p:ext>
+    </p:extLst>
+  </p:cSld>
+  <p:clrMapOvr>
+    <a:masterClrMapping/>
+  </p:clrMapOvr>
+  <mc:AlternateContent xmlns:mc="http://schemas.openxmlformats.org/markup-compatibility/2006" xmlns:p14="http://schemas.microsoft.com/office/powerpoint/2010/main">
+    <mc:Choice Requires="p14">
+      <p:transition spd="med" p14:dur="700">
+        <p:fade/>
+      </p:transition>
+    </mc:Choice>
+    <mc:Fallback xmlns="">
+      <p:transition spd="med">
+        <p:fade/>
+      </p:transition>
+    </mc:Fallback>
+  </mc:AlternateContent>
+  <p:timing>
+    <p:tnLst>
+      <p:par>
+        <p:cTn id="1" dur="indefinite" restart="never" nodeType="tmRoot">
+          <p:childTnLst>
+            <p:seq concurrent="1" nextAc="seek">
+              <p:cTn id="2" dur="indefinite" nodeType="mainSeq">
+                <p:childTnLst>
+                  <p:par>
+                    <p:cTn id="3" fill="hold">
+                      <p:stCondLst>
+                        <p:cond delay="indefinite"/>
+                      </p:stCondLst>
+                      <p:childTnLst>
+                        <p:par>
+                          <p:cTn id="4" fill="hold">
+                            <p:stCondLst>
+                              <p:cond delay="0"/>
+                            </p:stCondLst>
+                            <p:childTnLst>
+                              <p:par>
+                                <p:cTn id="5" presetID="1" presetClass="entr" presetSubtype="0" fill="hold" nodeType="clickEffect">
+                                  <p:stCondLst>
+                                    <p:cond delay="0"/>
+                                  </p:stCondLst>
+                                  <p:childTnLst>
+                                    <p:set>
+                                      <p:cBhvr>
+                                        <p:cTn id="6" dur="1" fill="hold">
+                                          <p:stCondLst>
+                                            <p:cond delay="0"/>
+                                          </p:stCondLst>
+                                        </p:cTn>
+                                        <p:tgtEl>
+                                          <p:spTgt spid="3">
+                                            <p:txEl>
+                                              <p:pRg st="1" end="1"/>
+                                            </p:txEl>
+                                          </p:spTgt>
+                                        </p:tgtEl>
+                                        <p:attrNameLst>
+                                          <p:attrName>style.visibility</p:attrName>
+                                        </p:attrNameLst>
+                                      </p:cBhvr>
+                                      <p:to>
+                                        <p:strVal val="visible"/>
+                                      </p:to>
+                                    </p:set>
+                                  </p:childTnLst>
+                                </p:cTn>
+                              </p:par>
+                            </p:childTnLst>
+                          </p:cTn>
+                        </p:par>
+                      </p:childTnLst>
+                    </p:cTn>
+                  </p:par>
+                  <p:par>
+                    <p:cTn id="7" fill="hold">
+                      <p:stCondLst>
+                        <p:cond delay="indefinite"/>
+                      </p:stCondLst>
+                      <p:childTnLst>
+                        <p:par>
+                          <p:cTn id="8" fill="hold">
+                            <p:stCondLst>
+                              <p:cond delay="0"/>
+                            </p:stCondLst>
+                            <p:childTnLst>
+                              <p:par>
+                                <p:cTn id="9" presetID="1" presetClass="entr" presetSubtype="0" fill="hold" nodeType="clickEffect">
+                                  <p:stCondLst>
+                                    <p:cond delay="0"/>
+                                  </p:stCondLst>
+                                  <p:childTnLst>
+                                    <p:set>
+                                      <p:cBhvr>
+                                        <p:cTn id="10" dur="1" fill="hold">
+                                          <p:stCondLst>
+                                            <p:cond delay="0"/>
+                                          </p:stCondLst>
+                                        </p:cTn>
+                                        <p:tgtEl>
+                                          <p:spTgt spid="3">
+                                            <p:txEl>
+                                              <p:pRg st="3" end="3"/>
+                                            </p:txEl>
+                                          </p:spTgt>
+                                        </p:tgtEl>
+                                        <p:attrNameLst>
+                                          <p:attrName>style.visibility</p:attrName>
+                                        </p:attrNameLst>
+                                      </p:cBhvr>
+                                      <p:to>
+                                        <p:strVal val="visible"/>
+                                      </p:to>
+                                    </p:set>
+                                  </p:childTnLst>
+                                </p:cTn>
+                              </p:par>
+                            </p:childTnLst>
+                          </p:cTn>
+                        </p:par>
+                      </p:childTnLst>
+                    </p:cTn>
+                  </p:par>
+                  <p:par>
+                    <p:cTn id="11" fill="hold">
+                      <p:stCondLst>
+                        <p:cond delay="indefinite"/>
+                      </p:stCondLst>
+                      <p:childTnLst>
+                        <p:par>
+                          <p:cTn id="12" fill="hold">
+                            <p:stCondLst>
+                              <p:cond delay="0"/>
+                            </p:stCondLst>
+                            <p:childTnLst>
+                              <p:par>
+                                <p:cTn id="13" presetID="1" presetClass="entr" presetSubtype="0" fill="hold" nodeType="clickEffect">
+                                  <p:stCondLst>
+                                    <p:cond delay="0"/>
+                                  </p:stCondLst>
+                                  <p:childTnLst>
+                                    <p:set>
+                                      <p:cBhvr>
+                                        <p:cTn id="14" dur="1" fill="hold">
+                                          <p:stCondLst>
+                                            <p:cond delay="0"/>
+                                          </p:stCondLst>
+                                        </p:cTn>
+                                        <p:tgtEl>
+                                          <p:spTgt spid="3">
+                                            <p:txEl>
+                                              <p:pRg st="5" end="5"/>
+                                            </p:txEl>
+                                          </p:spTgt>
+                                        </p:tgtEl>
+                                        <p:attrNameLst>
+                                          <p:attrName>style.visibility</p:attrName>
+                                        </p:attrNameLst>
+                                      </p:cBhvr>
+                                      <p:to>
+                                        <p:strVal val="visible"/>
+                                      </p:to>
+                                    </p:set>
+                                  </p:childTnLst>
+                                </p:cTn>
+                              </p:par>
+                            </p:childTnLst>
+                          </p:cTn>
+                        </p:par>
+                      </p:childTnLst>
+                    </p:cTn>
+                  </p:par>
+                </p:childTnLst>
+              </p:cTn>
+              <p:prevCondLst>
+                <p:cond evt="onPrev" delay="0">
+                  <p:tgtEl>
+                    <p:sldTgt/>
+                  </p:tgtEl>
+                </p:cond>
+              </p:prevCondLst>
+              <p:nextCondLst>
+                <p:cond evt="onNext" delay="0">
+                  <p:tgtEl>
+                    <p:sldTgt/>
+                  </p:tgtEl>
+                </p:cond>
+              </p:nextCondLst>
+            </p:seq>
+          </p:childTnLst>
+        </p:cTn>
+      </p:par>
+    </p:tnLst>
   </p:timing>
 </p:sld>
 </file>

--- a/pbl-bugprod.pptx
+++ b/pbl-bugprod.pptx
@@ -4380,10 +4380,7 @@
               <a:buFont typeface="Wingdings" panose="05000000000000000000" pitchFamily="2" charset="2"/>
               <a:buChar char="§"/>
             </a:pPr>
-            <a:r>
-              <a:rPr lang="de-DE" dirty="0"/>
-              <a:t> Client erhält keine benutzerspezifischen Daten</a:t>
-            </a:r>
+            <a:endParaRPr lang="de-DE" sz="2800" dirty="0"/>
           </a:p>
           <a:p>
             <a:pPr>
@@ -4391,8 +4388,8 @@
               <a:buChar char="§"/>
             </a:pPr>
             <a:r>
-              <a:rPr lang="de-DE" dirty="0"/>
-              <a:t> Strikte Trennung zwischen Intern und Extern Tokens</a:t>
+              <a:rPr lang="de-DE" sz="2800" dirty="0"/>
+              <a:t>Client erhält keine benutzerspezifischen Daten</a:t>
             </a:r>
           </a:p>
           <a:p>
@@ -4401,8 +4398,8 @@
               <a:buChar char="§"/>
             </a:pPr>
             <a:r>
-              <a:rPr lang="de-DE" dirty="0"/>
-              <a:t> Relativ einfache Umsetzung</a:t>
+              <a:rPr lang="de-DE" sz="2800" dirty="0"/>
+              <a:t> Strikte Trennung zwischen Intern und Extern Tokens</a:t>
             </a:r>
           </a:p>
           <a:p>
@@ -4411,7 +4408,17 @@
               <a:buChar char="§"/>
             </a:pPr>
             <a:r>
-              <a:rPr lang="de-DE" dirty="0"/>
+              <a:rPr lang="de-DE" sz="2800" dirty="0"/>
+              <a:t> Relativ einfache Umsetzung</a:t>
+            </a:r>
+          </a:p>
+          <a:p>
+            <a:pPr>
+              <a:buFont typeface="Wingdings" panose="05000000000000000000" pitchFamily="2" charset="2"/>
+              <a:buChar char="§"/>
+            </a:pPr>
+            <a:r>
+              <a:rPr lang="de-DE" sz="2800" dirty="0"/>
               <a:t> Leicht zu verstehen Dank JSON Web Tokens</a:t>
             </a:r>
           </a:p>
@@ -4502,7 +4509,7 @@
                                         <p:tgtEl>
                                           <p:spTgt spid="3">
                                             <p:txEl>
-                                              <p:pRg st="0" end="0"/>
+                                              <p:pRg st="1" end="1"/>
                                             </p:txEl>
                                           </p:spTgt>
                                         </p:tgtEl>
@@ -4551,7 +4558,7 @@
                                         <p:tgtEl>
                                           <p:spTgt spid="3">
                                             <p:txEl>
-                                              <p:pRg st="1" end="1"/>
+                                              <p:pRg st="2" end="2"/>
                                             </p:txEl>
                                           </p:spTgt>
                                         </p:tgtEl>
@@ -4600,7 +4607,7 @@
                                         <p:tgtEl>
                                           <p:spTgt spid="3">
                                             <p:txEl>
-                                              <p:pRg st="2" end="2"/>
+                                              <p:pRg st="3" end="3"/>
                                             </p:txEl>
                                           </p:spTgt>
                                         </p:tgtEl>
@@ -4649,7 +4656,7 @@
                                         <p:tgtEl>
                                           <p:spTgt spid="3">
                                             <p:txEl>
-                                              <p:pRg st="3" end="3"/>
+                                              <p:pRg st="4" end="4"/>
                                             </p:txEl>
                                           </p:spTgt>
                                         </p:tgtEl>
@@ -4698,7 +4705,7 @@
                                         <p:tgtEl>
                                           <p:spTgt spid="3">
                                             <p:txEl>
-                                              <p:pRg st="2" end="2"/>
+                                              <p:pRg st="3" end="3"/>
                                             </p:txEl>
                                           </p:spTgt>
                                         </p:tgtEl>
@@ -4747,7 +4754,7 @@
                                         <p:tgtEl>
                                           <p:spTgt spid="3">
                                             <p:txEl>
-                                              <p:pRg st="3" end="3"/>
+                                              <p:pRg st="4" end="4"/>
                                             </p:txEl>
                                           </p:spTgt>
                                         </p:tgtEl>

--- a/pbl-bugprod.pptx
+++ b/pbl-bugprod.pptx
@@ -409,7 +409,7 @@
           <a:p>
             <a:fld id="{4FAB73BC-B049-4115-A692-8D63A059BFB8}" type="slidenum">
               <a:rPr lang="en-US" smtClean="0"/>
-              <a:t>‹Nr.›</a:t>
+              <a:t>‹#›</a:t>
             </a:fld>
             <a:endParaRPr lang="en-US" dirty="0"/>
           </a:p>
@@ -629,7 +629,7 @@
           <a:p>
             <a:fld id="{DCABABE9-97E4-447F-8F85-F98FC464493B}" type="slidenum">
               <a:rPr lang="de-DE" smtClean="0"/>
-              <a:t>‹Nr.›</a:t>
+              <a:t>‹#›</a:t>
             </a:fld>
             <a:endParaRPr lang="de-DE"/>
           </a:p>
@@ -897,7 +897,7 @@
           <a:p>
             <a:fld id="{DCABABE9-97E4-447F-8F85-F98FC464493B}" type="slidenum">
               <a:rPr lang="de-DE" smtClean="0"/>
-              <a:t>‹Nr.›</a:t>
+              <a:t>‹#›</a:t>
             </a:fld>
             <a:endParaRPr lang="de-DE"/>
           </a:p>
@@ -1079,7 +1079,7 @@
           <a:p>
             <a:fld id="{DCABABE9-97E4-447F-8F85-F98FC464493B}" type="slidenum">
               <a:rPr lang="de-DE" smtClean="0"/>
-              <a:t>‹Nr.›</a:t>
+              <a:t>‹#›</a:t>
             </a:fld>
             <a:endParaRPr lang="de-DE"/>
           </a:p>
@@ -1434,7 +1434,7 @@
           <a:p>
             <a:fld id="{DCABABE9-97E4-447F-8F85-F98FC464493B}" type="slidenum">
               <a:rPr lang="de-DE" smtClean="0"/>
-              <a:t>‹Nr.›</a:t>
+              <a:t>‹#›</a:t>
             </a:fld>
             <a:endParaRPr lang="de-DE"/>
           </a:p>
@@ -1709,7 +1709,7 @@
           <a:p>
             <a:fld id="{DCABABE9-97E4-447F-8F85-F98FC464493B}" type="slidenum">
               <a:rPr lang="de-DE" smtClean="0"/>
-              <a:t>‹Nr.›</a:t>
+              <a:t>‹#›</a:t>
             </a:fld>
             <a:endParaRPr lang="de-DE"/>
           </a:p>
@@ -2100,7 +2100,7 @@
           <a:p>
             <a:fld id="{DCABABE9-97E4-447F-8F85-F98FC464493B}" type="slidenum">
               <a:rPr lang="de-DE" smtClean="0"/>
-              <a:t>‹Nr.›</a:t>
+              <a:t>‹#›</a:t>
             </a:fld>
             <a:endParaRPr lang="de-DE"/>
           </a:p>
@@ -2230,7 +2230,7 @@
           <a:p>
             <a:fld id="{DCABABE9-97E4-447F-8F85-F98FC464493B}" type="slidenum">
               <a:rPr lang="de-DE" smtClean="0"/>
-              <a:t>‹Nr.›</a:t>
+              <a:t>‹#›</a:t>
             </a:fld>
             <a:endParaRPr lang="de-DE"/>
           </a:p>
@@ -2421,7 +2421,7 @@
           <a:p>
             <a:fld id="{DCABABE9-97E4-447F-8F85-F98FC464493B}" type="slidenum">
               <a:rPr lang="de-DE" smtClean="0"/>
-              <a:t>‹Nr.›</a:t>
+              <a:t>‹#›</a:t>
             </a:fld>
             <a:endParaRPr lang="de-DE"/>
           </a:p>
@@ -2800,7 +2800,7 @@
           <a:p>
             <a:fld id="{DCABABE9-97E4-447F-8F85-F98FC464493B}" type="slidenum">
               <a:rPr lang="de-DE" smtClean="0"/>
-              <a:t>‹Nr.›</a:t>
+              <a:t>‹#›</a:t>
             </a:fld>
             <a:endParaRPr lang="de-DE"/>
           </a:p>
@@ -3168,7 +3168,7 @@
           <a:p>
             <a:fld id="{4FAB73BC-B049-4115-A692-8D63A059BFB8}" type="slidenum">
               <a:rPr lang="en-US" smtClean="0"/>
-              <a:t>‹Nr.›</a:t>
+              <a:t>‹#›</a:t>
             </a:fld>
             <a:endParaRPr lang="en-US" dirty="0"/>
           </a:p>
@@ -3499,7 +3499,7 @@
           <a:p>
             <a:fld id="{DCABABE9-97E4-447F-8F85-F98FC464493B}" type="slidenum">
               <a:rPr lang="de-DE" smtClean="0"/>
-              <a:t>‹Nr.›</a:t>
+              <a:t>‹#›</a:t>
             </a:fld>
             <a:endParaRPr lang="de-DE"/>
           </a:p>
@@ -4949,8 +4949,8 @@
         </p:nvSpPr>
         <p:spPr>
           <a:xfrm>
-            <a:off x="5335465" y="5079022"/>
-            <a:ext cx="1521069" cy="1019908"/>
+            <a:off x="5335465" y="5036000"/>
+            <a:ext cx="1630111" cy="1062930"/>
           </a:xfrm>
           <a:prstGeom prst="roundRect">
             <a:avLst/>
@@ -5012,7 +5012,7 @@
             <a:pPr algn="ctr"/>
             <a:r>
               <a:rPr lang="de-DE" dirty="0"/>
-              <a:t>Point</a:t>
+              <a:t>Point/Reverse Proxy</a:t>
             </a:r>
           </a:p>
         </p:txBody>
@@ -5305,13 +5305,15 @@
       <p:cxnSp>
         <p:nvCxnSpPr>
           <p:cNvPr id="26" name="Gerade Verbindung mit Pfeil 25"/>
-          <p:cNvCxnSpPr/>
+          <p:cNvCxnSpPr>
+            <a:cxnSpLocks/>
+          </p:cNvCxnSpPr>
           <p:nvPr/>
         </p:nvCxnSpPr>
         <p:spPr>
           <a:xfrm flipV="1">
-            <a:off x="6856534" y="3938954"/>
-            <a:ext cx="2674328" cy="1140068"/>
+            <a:off x="6965576" y="3938954"/>
+            <a:ext cx="2565286" cy="1149201"/>
           </a:xfrm>
           <a:prstGeom prst="straightConnector1">
             <a:avLst/>
@@ -5343,7 +5345,7 @@
           <p:nvPr/>
         </p:nvSpPr>
         <p:spPr>
-          <a:xfrm rot="20255543">
+          <a:xfrm rot="20140796">
             <a:off x="6619340" y="4219981"/>
             <a:ext cx="2690417" cy="369332"/>
           </a:xfrm>
@@ -5809,8 +5811,13 @@
             </a:pPr>
             <a:r>
               <a:rPr lang="de-DE" sz="2400" dirty="0"/>
-              <a:t> Implementierung eines Token Translation Points</a:t>
-            </a:r>
+              <a:t> Implementierung eines Token </a:t>
+            </a:r>
+            <a:r>
+              <a:rPr lang="de-DE" sz="2400"/>
+              <a:t>Translation Points/Reverse Proxy</a:t>
+            </a:r>
+            <a:endParaRPr lang="de-DE" sz="2400" dirty="0"/>
           </a:p>
           <a:p>
             <a:pPr>

--- a/pbl-bugprod.pptx
+++ b/pbl-bugprod.pptx
@@ -367,7 +367,7 @@
           <a:p>
             <a:fld id="{4BDF68E2-58F2-4D09-BE8B-E3BD06533059}" type="datetimeFigureOut">
               <a:rPr lang="en-US" smtClean="0"/>
-              <a:t>5/13/2017</a:t>
+              <a:t>5/15/2017</a:t>
             </a:fld>
             <a:endParaRPr lang="en-US" dirty="0"/>
           </a:p>
@@ -409,7 +409,7 @@
           <a:p>
             <a:fld id="{4FAB73BC-B049-4115-A692-8D63A059BFB8}" type="slidenum">
               <a:rPr lang="en-US" smtClean="0"/>
-              <a:t>‹#›</a:t>
+              <a:t>‹Nr.›</a:t>
             </a:fld>
             <a:endParaRPr lang="en-US" dirty="0"/>
           </a:p>
@@ -587,7 +587,7 @@
           <a:p>
             <a:fld id="{4F969F54-177B-428D-9045-E256D8B350EC}" type="datetimeFigureOut">
               <a:rPr lang="de-DE" smtClean="0"/>
-              <a:t>13.05.2017</a:t>
+              <a:t>15.05.2017</a:t>
             </a:fld>
             <a:endParaRPr lang="de-DE"/>
           </a:p>
@@ -629,7 +629,7 @@
           <a:p>
             <a:fld id="{DCABABE9-97E4-447F-8F85-F98FC464493B}" type="slidenum">
               <a:rPr lang="de-DE" smtClean="0"/>
-              <a:t>‹#›</a:t>
+              <a:t>‹Nr.›</a:t>
             </a:fld>
             <a:endParaRPr lang="de-DE"/>
           </a:p>
@@ -855,7 +855,7 @@
           <a:p>
             <a:fld id="{4F969F54-177B-428D-9045-E256D8B350EC}" type="datetimeFigureOut">
               <a:rPr lang="de-DE" smtClean="0"/>
-              <a:t>13.05.2017</a:t>
+              <a:t>15.05.2017</a:t>
             </a:fld>
             <a:endParaRPr lang="de-DE"/>
           </a:p>
@@ -897,7 +897,7 @@
           <a:p>
             <a:fld id="{DCABABE9-97E4-447F-8F85-F98FC464493B}" type="slidenum">
               <a:rPr lang="de-DE" smtClean="0"/>
-              <a:t>‹#›</a:t>
+              <a:t>‹Nr.›</a:t>
             </a:fld>
             <a:endParaRPr lang="de-DE"/>
           </a:p>
@@ -1037,7 +1037,7 @@
           <a:p>
             <a:fld id="{4F969F54-177B-428D-9045-E256D8B350EC}" type="datetimeFigureOut">
               <a:rPr lang="de-DE" smtClean="0"/>
-              <a:t>13.05.2017</a:t>
+              <a:t>15.05.2017</a:t>
             </a:fld>
             <a:endParaRPr lang="de-DE"/>
           </a:p>
@@ -1079,7 +1079,7 @@
           <a:p>
             <a:fld id="{DCABABE9-97E4-447F-8F85-F98FC464493B}" type="slidenum">
               <a:rPr lang="de-DE" smtClean="0"/>
-              <a:t>‹#›</a:t>
+              <a:t>‹Nr.›</a:t>
             </a:fld>
             <a:endParaRPr lang="de-DE"/>
           </a:p>
@@ -1392,7 +1392,7 @@
           <a:p>
             <a:fld id="{4F969F54-177B-428D-9045-E256D8B350EC}" type="datetimeFigureOut">
               <a:rPr lang="de-DE" smtClean="0"/>
-              <a:t>13.05.2017</a:t>
+              <a:t>15.05.2017</a:t>
             </a:fld>
             <a:endParaRPr lang="de-DE"/>
           </a:p>
@@ -1434,7 +1434,7 @@
           <a:p>
             <a:fld id="{DCABABE9-97E4-447F-8F85-F98FC464493B}" type="slidenum">
               <a:rPr lang="de-DE" smtClean="0"/>
-              <a:t>‹#›</a:t>
+              <a:t>‹Nr.›</a:t>
             </a:fld>
             <a:endParaRPr lang="de-DE"/>
           </a:p>
@@ -1667,7 +1667,7 @@
           <a:p>
             <a:fld id="{4F969F54-177B-428D-9045-E256D8B350EC}" type="datetimeFigureOut">
               <a:rPr lang="de-DE" smtClean="0"/>
-              <a:t>13.05.2017</a:t>
+              <a:t>15.05.2017</a:t>
             </a:fld>
             <a:endParaRPr lang="de-DE"/>
           </a:p>
@@ -1709,7 +1709,7 @@
           <a:p>
             <a:fld id="{DCABABE9-97E4-447F-8F85-F98FC464493B}" type="slidenum">
               <a:rPr lang="de-DE" smtClean="0"/>
-              <a:t>‹#›</a:t>
+              <a:t>‹Nr.›</a:t>
             </a:fld>
             <a:endParaRPr lang="de-DE"/>
           </a:p>
@@ -2058,7 +2058,7 @@
           <a:p>
             <a:fld id="{4F969F54-177B-428D-9045-E256D8B350EC}" type="datetimeFigureOut">
               <a:rPr lang="de-DE" smtClean="0"/>
-              <a:t>13.05.2017</a:t>
+              <a:t>15.05.2017</a:t>
             </a:fld>
             <a:endParaRPr lang="de-DE"/>
           </a:p>
@@ -2100,7 +2100,7 @@
           <a:p>
             <a:fld id="{DCABABE9-97E4-447F-8F85-F98FC464493B}" type="slidenum">
               <a:rPr lang="de-DE" smtClean="0"/>
-              <a:t>‹#›</a:t>
+              <a:t>‹Nr.›</a:t>
             </a:fld>
             <a:endParaRPr lang="de-DE"/>
           </a:p>
@@ -2188,7 +2188,7 @@
           <a:p>
             <a:fld id="{4F969F54-177B-428D-9045-E256D8B350EC}" type="datetimeFigureOut">
               <a:rPr lang="de-DE" smtClean="0"/>
-              <a:t>13.05.2017</a:t>
+              <a:t>15.05.2017</a:t>
             </a:fld>
             <a:endParaRPr lang="de-DE"/>
           </a:p>
@@ -2230,7 +2230,7 @@
           <a:p>
             <a:fld id="{DCABABE9-97E4-447F-8F85-F98FC464493B}" type="slidenum">
               <a:rPr lang="de-DE" smtClean="0"/>
-              <a:t>‹#›</a:t>
+              <a:t>‹Nr.›</a:t>
             </a:fld>
             <a:endParaRPr lang="de-DE"/>
           </a:p>
@@ -2371,7 +2371,7 @@
           <a:p>
             <a:fld id="{4F969F54-177B-428D-9045-E256D8B350EC}" type="datetimeFigureOut">
               <a:rPr lang="de-DE" smtClean="0"/>
-              <a:t>13.05.2017</a:t>
+              <a:t>15.05.2017</a:t>
             </a:fld>
             <a:endParaRPr lang="de-DE"/>
           </a:p>
@@ -2421,7 +2421,7 @@
           <a:p>
             <a:fld id="{DCABABE9-97E4-447F-8F85-F98FC464493B}" type="slidenum">
               <a:rPr lang="de-DE" smtClean="0"/>
-              <a:t>‹#›</a:t>
+              <a:t>‹Nr.›</a:t>
             </a:fld>
             <a:endParaRPr lang="de-DE"/>
           </a:p>
@@ -2737,7 +2737,7 @@
           <a:p>
             <a:fld id="{4F969F54-177B-428D-9045-E256D8B350EC}" type="datetimeFigureOut">
               <a:rPr lang="de-DE" smtClean="0"/>
-              <a:t>13.05.2017</a:t>
+              <a:t>15.05.2017</a:t>
             </a:fld>
             <a:endParaRPr lang="de-DE"/>
           </a:p>
@@ -2800,7 +2800,7 @@
           <a:p>
             <a:fld id="{DCABABE9-97E4-447F-8F85-F98FC464493B}" type="slidenum">
               <a:rPr lang="de-DE" smtClean="0"/>
-              <a:t>‹#›</a:t>
+              <a:t>‹Nr.›</a:t>
             </a:fld>
             <a:endParaRPr lang="de-DE"/>
           </a:p>
@@ -3126,7 +3126,7 @@
           <a:p>
             <a:fld id="{C9CAD897-D46E-4AD2-BD9B-49DD3E640873}" type="datetimeFigureOut">
               <a:rPr lang="en-US" smtClean="0"/>
-              <a:t>5/13/2017</a:t>
+              <a:t>5/15/2017</a:t>
             </a:fld>
             <a:endParaRPr lang="en-US" dirty="0"/>
           </a:p>
@@ -3168,7 +3168,7 @@
           <a:p>
             <a:fld id="{4FAB73BC-B049-4115-A692-8D63A059BFB8}" type="slidenum">
               <a:rPr lang="en-US" smtClean="0"/>
-              <a:t>‹#›</a:t>
+              <a:t>‹Nr.›</a:t>
             </a:fld>
             <a:endParaRPr lang="en-US" dirty="0"/>
           </a:p>
@@ -3425,7 +3425,7 @@
           <a:p>
             <a:fld id="{4F969F54-177B-428D-9045-E256D8B350EC}" type="datetimeFigureOut">
               <a:rPr lang="de-DE" smtClean="0"/>
-              <a:t>13.05.2017</a:t>
+              <a:t>15.05.2017</a:t>
             </a:fld>
             <a:endParaRPr lang="de-DE"/>
           </a:p>
@@ -3499,7 +3499,7 @@
           <a:p>
             <a:fld id="{DCABABE9-97E4-447F-8F85-F98FC464493B}" type="slidenum">
               <a:rPr lang="de-DE" smtClean="0"/>
-              <a:t>‹#›</a:t>
+              <a:t>‹Nr.›</a:t>
             </a:fld>
             <a:endParaRPr lang="de-DE"/>
           </a:p>
@@ -4147,7 +4147,7 @@
             </a:pPr>
             <a:r>
               <a:rPr lang="de-DE" sz="3600" dirty="0"/>
-              <a:t> OAuth mit OpenID</a:t>
+              <a:t>OAuth mit OpenID</a:t>
             </a:r>
           </a:p>
           <a:p>
@@ -4389,7 +4389,7 @@
             </a:pPr>
             <a:r>
               <a:rPr lang="de-DE" sz="2800" dirty="0"/>
-              <a:t>Client erhält keine benutzerspezifischen Daten</a:t>
+              <a:t> Client erhält keine benutzerspezifischen Daten</a:t>
             </a:r>
           </a:p>
           <a:p>
@@ -4649,104 +4649,6 @@
                                     <p:set>
                                       <p:cBhvr>
                                         <p:cTn id="18" dur="1" fill="hold">
-                                          <p:stCondLst>
-                                            <p:cond delay="0"/>
-                                          </p:stCondLst>
-                                        </p:cTn>
-                                        <p:tgtEl>
-                                          <p:spTgt spid="3">
-                                            <p:txEl>
-                                              <p:pRg st="4" end="4"/>
-                                            </p:txEl>
-                                          </p:spTgt>
-                                        </p:tgtEl>
-                                        <p:attrNameLst>
-                                          <p:attrName>style.visibility</p:attrName>
-                                        </p:attrNameLst>
-                                      </p:cBhvr>
-                                      <p:to>
-                                        <p:strVal val="visible"/>
-                                      </p:to>
-                                    </p:set>
-                                  </p:childTnLst>
-                                </p:cTn>
-                              </p:par>
-                            </p:childTnLst>
-                          </p:cTn>
-                        </p:par>
-                      </p:childTnLst>
-                    </p:cTn>
-                  </p:par>
-                  <p:par>
-                    <p:cTn id="19" fill="hold">
-                      <p:stCondLst>
-                        <p:cond delay="indefinite"/>
-                      </p:stCondLst>
-                      <p:childTnLst>
-                        <p:par>
-                          <p:cTn id="20" fill="hold">
-                            <p:stCondLst>
-                              <p:cond delay="0"/>
-                            </p:stCondLst>
-                            <p:childTnLst>
-                              <p:par>
-                                <p:cTn id="21" presetID="1" presetClass="entr" presetSubtype="0" fill="hold" nodeType="clickEffect">
-                                  <p:stCondLst>
-                                    <p:cond delay="0"/>
-                                  </p:stCondLst>
-                                  <p:childTnLst>
-                                    <p:set>
-                                      <p:cBhvr>
-                                        <p:cTn id="22" dur="1" fill="hold">
-                                          <p:stCondLst>
-                                            <p:cond delay="0"/>
-                                          </p:stCondLst>
-                                        </p:cTn>
-                                        <p:tgtEl>
-                                          <p:spTgt spid="3">
-                                            <p:txEl>
-                                              <p:pRg st="3" end="3"/>
-                                            </p:txEl>
-                                          </p:spTgt>
-                                        </p:tgtEl>
-                                        <p:attrNameLst>
-                                          <p:attrName>style.visibility</p:attrName>
-                                        </p:attrNameLst>
-                                      </p:cBhvr>
-                                      <p:to>
-                                        <p:strVal val="visible"/>
-                                      </p:to>
-                                    </p:set>
-                                  </p:childTnLst>
-                                </p:cTn>
-                              </p:par>
-                            </p:childTnLst>
-                          </p:cTn>
-                        </p:par>
-                      </p:childTnLst>
-                    </p:cTn>
-                  </p:par>
-                  <p:par>
-                    <p:cTn id="23" fill="hold">
-                      <p:stCondLst>
-                        <p:cond delay="indefinite"/>
-                      </p:stCondLst>
-                      <p:childTnLst>
-                        <p:par>
-                          <p:cTn id="24" fill="hold">
-                            <p:stCondLst>
-                              <p:cond delay="0"/>
-                            </p:stCondLst>
-                            <p:childTnLst>
-                              <p:par>
-                                <p:cTn id="25" presetID="1" presetClass="entr" presetSubtype="0" fill="hold" nodeType="clickEffect">
-                                  <p:stCondLst>
-                                    <p:cond delay="0"/>
-                                  </p:stCondLst>
-                                  <p:childTnLst>
-                                    <p:set>
-                                      <p:cBhvr>
-                                        <p:cTn id="26" dur="1" fill="hold">
                                           <p:stCondLst>
                                             <p:cond delay="0"/>
                                           </p:stCondLst>
